--- a/7_Allegati/Powerpoint/SkiFree-Presentazione.pptx
+++ b/7_Allegati/Powerpoint/SkiFree-Presentazione.pptx
@@ -30067,21 +30067,21 @@
 </file>
 
 <file path=customXml/item1.xml><?xml version="1.0" encoding="utf-8"?>
+<?mso-contentType ?>
+<FormTemplates xmlns="http://schemas.microsoft.com/sharepoint/v3/contenttype/forms">
+  <Display>DocumentLibraryForm</Display>
+  <Edit>DocumentLibraryForm</Edit>
+  <New>DocumentLibraryForm</New>
+</FormTemplates>
+</file>
+
+<file path=customXml/item2.xml><?xml version="1.0" encoding="utf-8"?>
 <p:properties xmlns:p="http://schemas.microsoft.com/office/2006/metadata/properties" xmlns:xsi="http://www.w3.org/2001/XMLSchema-instance" xmlns:pc="http://schemas.microsoft.com/office/infopath/2007/PartnerControls">
   <documentManagement>
     <_ip_UnifiedCompliancePolicyUIAction xmlns="http://schemas.microsoft.com/sharepoint/v3" xsi:nil="true"/>
     <_ip_UnifiedCompliancePolicyProperties xmlns="http://schemas.microsoft.com/sharepoint/v3" xsi:nil="true"/>
   </documentManagement>
 </p:properties>
-</file>
-
-<file path=customXml/item2.xml><?xml version="1.0" encoding="utf-8"?>
-<?mso-contentType ?>
-<FormTemplates xmlns="http://schemas.microsoft.com/sharepoint/v3/contenttype/forms">
-  <Display>DocumentLibraryForm</Display>
-  <Edit>DocumentLibraryForm</Edit>
-  <New>DocumentLibraryForm</New>
-</FormTemplates>
 </file>
 
 <file path=customXml/item3.xml><?xml version="1.0" encoding="utf-8"?>
@@ -30293,6 +30293,14 @@
 </file>
 
 <file path=customXml/itemProps1.xml><?xml version="1.0" encoding="utf-8"?>
+<ds:datastoreItem xmlns:ds="http://schemas.openxmlformats.org/officeDocument/2006/customXml" ds:itemID="{8A95DE24-D6C3-4A00-9085-D9594C193AE1}">
+  <ds:schemaRefs>
+    <ds:schemaRef ds:uri="http://schemas.microsoft.com/sharepoint/v3/contenttype/forms"/>
+  </ds:schemaRefs>
+</ds:datastoreItem>
+</file>
+
+<file path=customXml/itemProps2.xml><?xml version="1.0" encoding="utf-8"?>
 <ds:datastoreItem xmlns:ds="http://schemas.openxmlformats.org/officeDocument/2006/customXml" ds:itemID="{F8992231-163D-4428-A2B8-DA1FE0274129}">
   <ds:schemaRefs>
     <ds:schemaRef ds:uri="http://schemas.microsoft.com/office/2006/documentManagement/types"/>
@@ -30306,14 +30314,6 @@
     <ds:schemaRef ds:uri="http://schemas.microsoft.com/office/infopath/2007/PartnerControls"/>
     <ds:schemaRef ds:uri="6dc4bcd6-49db-4c07-9060-8acfc67cef9f"/>
     <ds:schemaRef ds:uri="http://www.w3.org/XML/1998/namespace"/>
-  </ds:schemaRefs>
-</ds:datastoreItem>
-</file>
-
-<file path=customXml/itemProps2.xml><?xml version="1.0" encoding="utf-8"?>
-<ds:datastoreItem xmlns:ds="http://schemas.openxmlformats.org/officeDocument/2006/customXml" ds:itemID="{8A95DE24-D6C3-4A00-9085-D9594C193AE1}">
-  <ds:schemaRefs>
-    <ds:schemaRef ds:uri="http://schemas.microsoft.com/sharepoint/v3/contenttype/forms"/>
   </ds:schemaRefs>
 </ds:datastoreItem>
 </file>
